--- a/slides/10_r_import_export_data_plots.pptx
+++ b/slides/10_r_import_export_data_plots.pptx
@@ -5,7 +5,7 @@
     <p:sldMasterId id="2147483648" r:id="rId1"/>
   </p:sldMasterIdLst>
   <p:notesMasterIdLst>
-    <p:notesMasterId r:id="rId16"/>
+    <p:notesMasterId r:id="rId17"/>
   </p:notesMasterIdLst>
   <p:sldIdLst>
     <p:sldId id="396" r:id="rId2"/>
@@ -22,6 +22,7 @@
     <p:sldId id="414" r:id="rId13"/>
     <p:sldId id="410" r:id="rId14"/>
     <p:sldId id="415" r:id="rId15"/>
+    <p:sldId id="416" r:id="rId16"/>
   </p:sldIdLst>
   <p:sldSz cx="12192000" cy="6858000"/>
   <p:notesSz cx="6858000" cy="9144000"/>
@@ -210,7 +211,7 @@
           <a:p>
             <a:fld id="{3225D0BA-C5CC-4748-AE46-B61F31062CCD}" type="datetimeFigureOut">
               <a:rPr lang="en-US" smtClean="0"/>
-              <a:t>4/16/2018</a:t>
+              <a:t>5/13/2018</a:t>
             </a:fld>
             <a:endParaRPr lang="en-US"/>
           </a:p>
@@ -1148,7 +1149,7 @@
           <a:p>
             <a:fld id="{F461E63B-B13E-4884-A06A-FCFDEDCB16F4}" type="datetimeFigureOut">
               <a:rPr lang="en-US" smtClean="0"/>
-              <a:t>4/16/2018</a:t>
+              <a:t>5/13/2018</a:t>
             </a:fld>
             <a:endParaRPr lang="en-US"/>
           </a:p>
@@ -1346,7 +1347,7 @@
           <a:p>
             <a:fld id="{F461E63B-B13E-4884-A06A-FCFDEDCB16F4}" type="datetimeFigureOut">
               <a:rPr lang="en-US" smtClean="0"/>
-              <a:t>4/16/2018</a:t>
+              <a:t>5/13/2018</a:t>
             </a:fld>
             <a:endParaRPr lang="en-US"/>
           </a:p>
@@ -1554,7 +1555,7 @@
           <a:p>
             <a:fld id="{F461E63B-B13E-4884-A06A-FCFDEDCB16F4}" type="datetimeFigureOut">
               <a:rPr lang="en-US" smtClean="0"/>
-              <a:t>4/16/2018</a:t>
+              <a:t>5/13/2018</a:t>
             </a:fld>
             <a:endParaRPr lang="en-US"/>
           </a:p>
@@ -1752,7 +1753,7 @@
           <a:p>
             <a:fld id="{F461E63B-B13E-4884-A06A-FCFDEDCB16F4}" type="datetimeFigureOut">
               <a:rPr lang="en-US" smtClean="0"/>
-              <a:t>4/16/2018</a:t>
+              <a:t>5/13/2018</a:t>
             </a:fld>
             <a:endParaRPr lang="en-US"/>
           </a:p>
@@ -2027,7 +2028,7 @@
           <a:p>
             <a:fld id="{F461E63B-B13E-4884-A06A-FCFDEDCB16F4}" type="datetimeFigureOut">
               <a:rPr lang="en-US" smtClean="0"/>
-              <a:t>4/16/2018</a:t>
+              <a:t>5/13/2018</a:t>
             </a:fld>
             <a:endParaRPr lang="en-US"/>
           </a:p>
@@ -2292,7 +2293,7 @@
           <a:p>
             <a:fld id="{F461E63B-B13E-4884-A06A-FCFDEDCB16F4}" type="datetimeFigureOut">
               <a:rPr lang="en-US" smtClean="0"/>
-              <a:t>4/16/2018</a:t>
+              <a:t>5/13/2018</a:t>
             </a:fld>
             <a:endParaRPr lang="en-US"/>
           </a:p>
@@ -2704,7 +2705,7 @@
           <a:p>
             <a:fld id="{F461E63B-B13E-4884-A06A-FCFDEDCB16F4}" type="datetimeFigureOut">
               <a:rPr lang="en-US" smtClean="0"/>
-              <a:t>4/16/2018</a:t>
+              <a:t>5/13/2018</a:t>
             </a:fld>
             <a:endParaRPr lang="en-US"/>
           </a:p>
@@ -2845,7 +2846,7 @@
           <a:p>
             <a:fld id="{F461E63B-B13E-4884-A06A-FCFDEDCB16F4}" type="datetimeFigureOut">
               <a:rPr lang="en-US" smtClean="0"/>
-              <a:t>4/16/2018</a:t>
+              <a:t>5/13/2018</a:t>
             </a:fld>
             <a:endParaRPr lang="en-US"/>
           </a:p>
@@ -2958,7 +2959,7 @@
           <a:p>
             <a:fld id="{F461E63B-B13E-4884-A06A-FCFDEDCB16F4}" type="datetimeFigureOut">
               <a:rPr lang="en-US" smtClean="0"/>
-              <a:t>4/16/2018</a:t>
+              <a:t>5/13/2018</a:t>
             </a:fld>
             <a:endParaRPr lang="en-US"/>
           </a:p>
@@ -3269,7 +3270,7 @@
           <a:p>
             <a:fld id="{F461E63B-B13E-4884-A06A-FCFDEDCB16F4}" type="datetimeFigureOut">
               <a:rPr lang="en-US" smtClean="0"/>
-              <a:t>4/16/2018</a:t>
+              <a:t>5/13/2018</a:t>
             </a:fld>
             <a:endParaRPr lang="en-US"/>
           </a:p>
@@ -3557,7 +3558,7 @@
           <a:p>
             <a:fld id="{F461E63B-B13E-4884-A06A-FCFDEDCB16F4}" type="datetimeFigureOut">
               <a:rPr lang="en-US" smtClean="0"/>
-              <a:t>4/16/2018</a:t>
+              <a:t>5/13/2018</a:t>
             </a:fld>
             <a:endParaRPr lang="en-US"/>
           </a:p>
@@ -3798,7 +3799,7 @@
           <a:p>
             <a:fld id="{F461E63B-B13E-4884-A06A-FCFDEDCB16F4}" type="datetimeFigureOut">
               <a:rPr lang="en-US" smtClean="0"/>
-              <a:t>4/16/2018</a:t>
+              <a:t>5/13/2018</a:t>
             </a:fld>
             <a:endParaRPr lang="en-US"/>
           </a:p>
@@ -4940,18 +4941,15 @@
           <a:p>
             <a:r>
               <a:rPr lang="en-US" b="1" dirty="0"/>
-              <a:t>Analysis: </a:t>
-            </a:r>
-            <a:r>
-              <a:rPr lang="en-US" dirty="0">
-                <a:solidFill>
-                  <a:schemeClr val="accent2">
-                    <a:lumMod val="50000"/>
-                  </a:schemeClr>
-                </a:solidFill>
-              </a:rPr>
-              <a:t>Exploratory Data Analysis</a:t>
-            </a:r>
+              <a:t>Importing &amp; Exporting</a:t>
+            </a:r>
+            <a:endParaRPr lang="en-US" dirty="0">
+              <a:solidFill>
+                <a:schemeClr val="accent2">
+                  <a:lumMod val="50000"/>
+                </a:schemeClr>
+              </a:solidFill>
+            </a:endParaRPr>
           </a:p>
         </p:txBody>
       </p:sp>
@@ -10535,6 +10533,72 @@
 </p:sld>
 </file>
 
+<file path=ppt/slides/slide15.xml><?xml version="1.0" encoding="utf-8"?>
+<p:sld xmlns:a="http://schemas.openxmlformats.org/drawingml/2006/main" xmlns:r="http://schemas.openxmlformats.org/officeDocument/2006/relationships" xmlns:p="http://schemas.openxmlformats.org/presentationml/2006/main">
+  <p:cSld>
+    <p:spTree>
+      <p:nvGrpSpPr>
+        <p:cNvPr id="1" name=""/>
+        <p:cNvGrpSpPr/>
+        <p:nvPr/>
+      </p:nvGrpSpPr>
+      <p:grpSpPr>
+        <a:xfrm>
+          <a:off x="0" y="0"/>
+          <a:ext cx="0" cy="0"/>
+          <a:chOff x="0" y="0"/>
+          <a:chExt cx="0" cy="0"/>
+        </a:xfrm>
+      </p:grpSpPr>
+      <p:sp>
+        <p:nvSpPr>
+          <p:cNvPr id="2" name="Title 1">
+            <a:extLst>
+              <a:ext uri="{FF2B5EF4-FFF2-40B4-BE49-F238E27FC236}">
+                <a16:creationId xmlns:a16="http://schemas.microsoft.com/office/drawing/2014/main" id="{48506ECE-60E0-48F5-9A59-B15997B2130D}"/>
+              </a:ext>
+            </a:extLst>
+          </p:cNvPr>
+          <p:cNvSpPr>
+            <a:spLocks noGrp="1"/>
+          </p:cNvSpPr>
+          <p:nvPr>
+            <p:ph type="title"/>
+          </p:nvPr>
+        </p:nvSpPr>
+        <p:spPr>
+          <a:xfrm>
+            <a:off x="0" y="2831700"/>
+            <a:ext cx="12192000" cy="1325563"/>
+          </a:xfrm>
+        </p:spPr>
+        <p:txBody>
+          <a:bodyPr>
+            <a:normAutofit/>
+          </a:bodyPr>
+          <a:lstStyle/>
+          <a:p>
+            <a:pPr algn="ctr"/>
+            <a:r>
+              <a:rPr lang="en-US" sz="5700" b="1" dirty="0"/>
+              <a:t>Let’s Code!</a:t>
+            </a:r>
+          </a:p>
+        </p:txBody>
+      </p:sp>
+    </p:spTree>
+    <p:extLst>
+      <p:ext uri="{BB962C8B-B14F-4D97-AF65-F5344CB8AC3E}">
+        <p14:creationId xmlns:p14="http://schemas.microsoft.com/office/powerpoint/2010/main" val="1404030455"/>
+      </p:ext>
+    </p:extLst>
+  </p:cSld>
+  <p:clrMapOvr>
+    <a:masterClrMapping/>
+  </p:clrMapOvr>
+</p:sld>
+</file>
+
 <file path=ppt/slides/slide2.xml><?xml version="1.0" encoding="utf-8"?>
 <p:sld xmlns:a="http://schemas.openxmlformats.org/drawingml/2006/main" xmlns:r="http://schemas.openxmlformats.org/officeDocument/2006/relationships" xmlns:p="http://schemas.openxmlformats.org/presentationml/2006/main">
   <p:cSld>
@@ -11483,19 +11547,16 @@
           </a:lstStyle>
           <a:p>
             <a:r>
-              <a:rPr lang="en-US" b="1" dirty="0"/>
-              <a:t>Analysis: </a:t>
-            </a:r>
-            <a:r>
-              <a:rPr lang="en-US" dirty="0">
-                <a:solidFill>
-                  <a:schemeClr val="accent2">
-                    <a:lumMod val="50000"/>
-                  </a:schemeClr>
-                </a:solidFill>
-              </a:rPr>
-              <a:t>Exploratory Data Analysis</a:t>
-            </a:r>
+              <a:rPr lang="en-US" b="1"/>
+              <a:t>Importing &amp; Exporting</a:t>
+            </a:r>
+            <a:endParaRPr lang="en-US" dirty="0">
+              <a:solidFill>
+                <a:schemeClr val="accent2">
+                  <a:lumMod val="50000"/>
+                </a:schemeClr>
+              </a:solidFill>
+            </a:endParaRPr>
           </a:p>
         </p:txBody>
       </p:sp>
